--- a/220527_7기_서울_5반_관통PJT_마주리_이종은.pptx
+++ b/220527_7기_서울_5반_관통PJT_마주리_이종은.pptx
@@ -3486,7 +3486,7 @@
           <a:p>
             <a:r>
               <a:rPr lang="ko-KR" altLang="en-US" dirty="0"/>
-              <a:t>사용자의 성향을 분석해서 비슷한 성향의 감독을 찾고</a:t>
+              <a:t>사용자가 간단한 설문을 진행하면 비슷한 성향의 감독을 찾아주고</a:t>
             </a:r>
             <a:r>
               <a:rPr lang="en-US" altLang="ko-KR" dirty="0"/>
@@ -3494,7 +3494,15 @@
             </a:r>
             <a:r>
               <a:rPr lang="ko-KR" altLang="en-US" dirty="0"/>
-              <a:t> 그 감독의 영화 중에서 사용자가 선호하는 장르 기반으로 추천</a:t>
+              <a:t> 사용자가 많이 본 장르를 </a:t>
+            </a:r>
+            <a:r>
+              <a:rPr lang="ko-KR" altLang="en-US"/>
+              <a:t>기반으로 해당 </a:t>
+            </a:r>
+            <a:r>
+              <a:rPr lang="ko-KR" altLang="en-US" dirty="0"/>
+              <a:t>감독의 작품 중에서 추천</a:t>
             </a:r>
             <a:endParaRPr lang="en-US" altLang="ko-KR" dirty="0"/>
           </a:p>
@@ -4141,10 +4149,204 @@
         </p:nvSpPr>
         <p:spPr/>
         <p:txBody>
-          <a:bodyPr/>
-          <a:lstStyle/>
-          <a:p>
-            <a:endParaRPr lang="ko-KR" altLang="en-US" dirty="0"/>
+          <a:bodyPr>
+            <a:normAutofit fontScale="92500"/>
+          </a:bodyPr>
+          <a:lstStyle/>
+          <a:p>
+            <a:pPr marL="0" indent="0">
+              <a:buNone/>
+            </a:pPr>
+            <a:r>
+              <a:rPr lang="ko-KR" altLang="en-US" dirty="0"/>
+              <a:t>문제</a:t>
+            </a:r>
+            <a:r>
+              <a:rPr lang="en-US" altLang="ko-KR" dirty="0"/>
+              <a:t>1: </a:t>
+            </a:r>
+            <a:br>
+              <a:rPr lang="en-US" altLang="ko-KR" dirty="0"/>
+            </a:br>
+            <a:r>
+              <a:rPr lang="ko-KR" altLang="en-US" sz="2400" dirty="0"/>
+              <a:t>같은 요청에서 요청자의 권한과 해당 영화를 봤는지에 따라 다른 </a:t>
+            </a:r>
+            <a:r>
+              <a:rPr lang="en-US" altLang="ko-KR" sz="2400" dirty="0"/>
+              <a:t>Model</a:t>
+            </a:r>
+            <a:r>
+              <a:rPr lang="ko-KR" altLang="en-US" sz="2400" dirty="0"/>
+              <a:t>을 참조하는 </a:t>
+            </a:r>
+            <a:r>
+              <a:rPr lang="en-US" altLang="ko-KR" sz="2400" dirty="0" err="1"/>
+              <a:t>Serializer.data</a:t>
+            </a:r>
+            <a:r>
+              <a:rPr lang="en-US" altLang="ko-KR" sz="2400" dirty="0"/>
+              <a:t> </a:t>
+            </a:r>
+            <a:r>
+              <a:rPr lang="ko-KR" altLang="en-US" sz="2400" dirty="0"/>
+              <a:t>보내기</a:t>
+            </a:r>
+            <a:endParaRPr lang="en-US" altLang="ko-KR" sz="2400" dirty="0"/>
+          </a:p>
+          <a:p>
+            <a:pPr marL="0" indent="0">
+              <a:buNone/>
+            </a:pPr>
+            <a:r>
+              <a:rPr lang="ko-KR" altLang="en-US" dirty="0"/>
+              <a:t>해결</a:t>
+            </a:r>
+            <a:r>
+              <a:rPr lang="en-US" altLang="ko-KR" dirty="0"/>
+              <a:t>: </a:t>
+            </a:r>
+            <a:br>
+              <a:rPr lang="en-US" altLang="ko-KR" dirty="0"/>
+            </a:br>
+            <a:r>
+              <a:rPr lang="en-US" altLang="ko-KR" sz="2400" dirty="0"/>
+              <a:t>serializer </a:t>
+            </a:r>
+            <a:r>
+              <a:rPr lang="ko-KR" altLang="en-US" sz="2400" dirty="0"/>
+              <a:t>필드의 </a:t>
+            </a:r>
+            <a:r>
+              <a:rPr lang="en-US" altLang="ko-KR" sz="2400" dirty="0"/>
+              <a:t>(source=‘</a:t>
+            </a:r>
+            <a:r>
+              <a:rPr lang="en-US" altLang="ko-KR" sz="2400" dirty="0" err="1"/>
+              <a:t>model.field</a:t>
+            </a:r>
+            <a:r>
+              <a:rPr lang="en-US" altLang="ko-KR" sz="2400" dirty="0"/>
+              <a:t>’) </a:t>
+            </a:r>
+            <a:r>
+              <a:rPr lang="ko-KR" altLang="en-US" sz="2400" dirty="0"/>
+              <a:t>속성을 이용하면 다른 모델의 필드를 </a:t>
+            </a:r>
+            <a:r>
+              <a:rPr lang="en-US" altLang="ko-KR" sz="2400" dirty="0"/>
+              <a:t>JSON</a:t>
+            </a:r>
+            <a:r>
+              <a:rPr lang="ko-KR" altLang="en-US" sz="2400" dirty="0"/>
+              <a:t>으로 보낼 수 있다</a:t>
+            </a:r>
+            <a:r>
+              <a:rPr lang="en-US" altLang="ko-KR" sz="2400" dirty="0"/>
+              <a:t>.</a:t>
+            </a:r>
+          </a:p>
+          <a:p>
+            <a:pPr marL="0" indent="0">
+              <a:buNone/>
+            </a:pPr>
+            <a:endParaRPr lang="en-US" altLang="ko-KR" dirty="0"/>
+          </a:p>
+          <a:p>
+            <a:pPr marL="0" indent="0">
+              <a:buNone/>
+            </a:pPr>
+            <a:r>
+              <a:rPr lang="ko-KR" altLang="en-US" dirty="0"/>
+              <a:t>문제</a:t>
+            </a:r>
+            <a:r>
+              <a:rPr lang="en-US" altLang="ko-KR" dirty="0"/>
+              <a:t>2: </a:t>
+            </a:r>
+            <a:br>
+              <a:rPr lang="en-US" altLang="ko-KR" dirty="0"/>
+            </a:br>
+            <a:r>
+              <a:rPr lang="en-US" altLang="ko-KR" sz="2400" dirty="0" err="1"/>
+              <a:t>dj_rest_auth</a:t>
+            </a:r>
+            <a:r>
+              <a:rPr lang="ko-KR" altLang="en-US" sz="2400" dirty="0"/>
+              <a:t> 앱을 이용해서 </a:t>
+            </a:r>
+            <a:r>
+              <a:rPr lang="en-US" altLang="ko-KR" sz="2400" dirty="0"/>
+              <a:t>user </a:t>
+            </a:r>
+            <a:r>
+              <a:rPr lang="ko-KR" altLang="en-US" sz="2400" dirty="0"/>
+              <a:t>정보를 응답 받으면 </a:t>
+            </a:r>
+            <a:r>
+              <a:rPr lang="en-US" altLang="ko-KR" sz="2400" dirty="0" err="1"/>
+              <a:t>is_superuser</a:t>
+            </a:r>
+            <a:r>
+              <a:rPr lang="en-US" altLang="ko-KR" sz="2400" dirty="0"/>
+              <a:t> </a:t>
+            </a:r>
+            <a:r>
+              <a:rPr lang="ko-KR" altLang="en-US" sz="2400" dirty="0"/>
+              <a:t>필드가 없다</a:t>
+            </a:r>
+            <a:r>
+              <a:rPr lang="en-US" altLang="ko-KR" sz="2400" dirty="0"/>
+              <a:t>.</a:t>
+            </a:r>
+          </a:p>
+          <a:p>
+            <a:pPr marL="0" indent="0">
+              <a:buNone/>
+            </a:pPr>
+            <a:r>
+              <a:rPr lang="ko-KR" altLang="en-US" dirty="0"/>
+              <a:t>해결</a:t>
+            </a:r>
+            <a:r>
+              <a:rPr lang="en-US" altLang="ko-KR" dirty="0"/>
+              <a:t>: </a:t>
+            </a:r>
+            <a:br>
+              <a:rPr lang="en-US" altLang="ko-KR" dirty="0"/>
+            </a:br>
+            <a:r>
+              <a:rPr lang="en-US" altLang="ko-KR" sz="2400" dirty="0"/>
+              <a:t>REST_AUTH_SERIALIZER</a:t>
+            </a:r>
+            <a:r>
+              <a:rPr lang="ko-KR" altLang="en-US" sz="2400" dirty="0"/>
+              <a:t>로 만들어 놓은 </a:t>
+            </a:r>
+            <a:r>
+              <a:rPr lang="en-US" altLang="ko-KR" sz="2400" dirty="0"/>
+              <a:t>serializer</a:t>
+            </a:r>
+            <a:r>
+              <a:rPr lang="ko-KR" altLang="en-US" sz="2400" dirty="0"/>
+              <a:t>를 연결할 수 있다</a:t>
+            </a:r>
+            <a:r>
+              <a:rPr lang="en-US" altLang="ko-KR" sz="2400" dirty="0"/>
+              <a:t>.</a:t>
+            </a:r>
+          </a:p>
+          <a:p>
+            <a:pPr marL="0" indent="0">
+              <a:buNone/>
+            </a:pPr>
+            <a:endParaRPr lang="en-US" altLang="ko-KR" dirty="0"/>
+          </a:p>
+          <a:p>
+            <a:pPr marL="0" indent="0">
+              <a:buNone/>
+            </a:pPr>
+            <a:endParaRPr lang="en-US" altLang="ko-KR" dirty="0"/>
           </a:p>
         </p:txBody>
       </p:sp>
